--- a/MySQL.pptx
+++ b/MySQL.pptx
@@ -7,6 +7,9 @@
   <p:sldIdLst>
     <p:sldId id="256" r:id="rId2"/>
     <p:sldId id="257" r:id="rId3"/>
+    <p:sldId id="258" r:id="rId4"/>
+    <p:sldId id="259" r:id="rId5"/>
+    <p:sldId id="260" r:id="rId6"/>
   </p:sldIdLst>
   <p:sldSz cx="12192000" cy="6858000"/>
   <p:notesSz cx="6858000" cy="9144000"/>
@@ -105,6 +108,11 @@
       </a:defRPr>
     </a:lvl9pPr>
   </p:defaultTextStyle>
+  <p:extLst>
+    <p:ext uri="{EFAFB233-063F-42B5-8137-9DF3F51BA10A}">
+      <p15:sldGuideLst xmlns:p15="http://schemas.microsoft.com/office/powerpoint/2012/main"/>
+    </p:ext>
+  </p:extLst>
 </p:presentation>
 </file>
 
@@ -239,7 +247,7 @@
           <a:p>
             <a:fld id="{D44819FF-3A67-40A4-B5A2-DDB6C435A71E}" type="datetimeFigureOut">
               <a:rPr lang="en-IN" smtClean="0"/>
-              <a:t>24-07-2020</a:t>
+              <a:t>30-07-2020</a:t>
             </a:fld>
             <a:endParaRPr lang="en-IN"/>
           </a:p>
@@ -409,7 +417,7 @@
           <a:p>
             <a:fld id="{D44819FF-3A67-40A4-B5A2-DDB6C435A71E}" type="datetimeFigureOut">
               <a:rPr lang="en-IN" smtClean="0"/>
-              <a:t>24-07-2020</a:t>
+              <a:t>30-07-2020</a:t>
             </a:fld>
             <a:endParaRPr lang="en-IN"/>
           </a:p>
@@ -589,7 +597,7 @@
           <a:p>
             <a:fld id="{D44819FF-3A67-40A4-B5A2-DDB6C435A71E}" type="datetimeFigureOut">
               <a:rPr lang="en-IN" smtClean="0"/>
-              <a:t>24-07-2020</a:t>
+              <a:t>30-07-2020</a:t>
             </a:fld>
             <a:endParaRPr lang="en-IN"/>
           </a:p>
@@ -759,7 +767,7 @@
           <a:p>
             <a:fld id="{D44819FF-3A67-40A4-B5A2-DDB6C435A71E}" type="datetimeFigureOut">
               <a:rPr lang="en-IN" smtClean="0"/>
-              <a:t>24-07-2020</a:t>
+              <a:t>30-07-2020</a:t>
             </a:fld>
             <a:endParaRPr lang="en-IN"/>
           </a:p>
@@ -1005,7 +1013,7 @@
           <a:p>
             <a:fld id="{D44819FF-3A67-40A4-B5A2-DDB6C435A71E}" type="datetimeFigureOut">
               <a:rPr lang="en-IN" smtClean="0"/>
-              <a:t>24-07-2020</a:t>
+              <a:t>30-07-2020</a:t>
             </a:fld>
             <a:endParaRPr lang="en-IN"/>
           </a:p>
@@ -1237,7 +1245,7 @@
           <a:p>
             <a:fld id="{D44819FF-3A67-40A4-B5A2-DDB6C435A71E}" type="datetimeFigureOut">
               <a:rPr lang="en-IN" smtClean="0"/>
-              <a:t>24-07-2020</a:t>
+              <a:t>30-07-2020</a:t>
             </a:fld>
             <a:endParaRPr lang="en-IN"/>
           </a:p>
@@ -1604,7 +1612,7 @@
           <a:p>
             <a:fld id="{D44819FF-3A67-40A4-B5A2-DDB6C435A71E}" type="datetimeFigureOut">
               <a:rPr lang="en-IN" smtClean="0"/>
-              <a:t>24-07-2020</a:t>
+              <a:t>30-07-2020</a:t>
             </a:fld>
             <a:endParaRPr lang="en-IN"/>
           </a:p>
@@ -1722,7 +1730,7 @@
           <a:p>
             <a:fld id="{D44819FF-3A67-40A4-B5A2-DDB6C435A71E}" type="datetimeFigureOut">
               <a:rPr lang="en-IN" smtClean="0"/>
-              <a:t>24-07-2020</a:t>
+              <a:t>30-07-2020</a:t>
             </a:fld>
             <a:endParaRPr lang="en-IN"/>
           </a:p>
@@ -1817,7 +1825,7 @@
           <a:p>
             <a:fld id="{D44819FF-3A67-40A4-B5A2-DDB6C435A71E}" type="datetimeFigureOut">
               <a:rPr lang="en-IN" smtClean="0"/>
-              <a:t>24-07-2020</a:t>
+              <a:t>30-07-2020</a:t>
             </a:fld>
             <a:endParaRPr lang="en-IN"/>
           </a:p>
@@ -2094,7 +2102,7 @@
           <a:p>
             <a:fld id="{D44819FF-3A67-40A4-B5A2-DDB6C435A71E}" type="datetimeFigureOut">
               <a:rPr lang="en-IN" smtClean="0"/>
-              <a:t>24-07-2020</a:t>
+              <a:t>30-07-2020</a:t>
             </a:fld>
             <a:endParaRPr lang="en-IN"/>
           </a:p>
@@ -2347,7 +2355,7 @@
           <a:p>
             <a:fld id="{D44819FF-3A67-40A4-B5A2-DDB6C435A71E}" type="datetimeFigureOut">
               <a:rPr lang="en-IN" smtClean="0"/>
-              <a:t>24-07-2020</a:t>
+              <a:t>30-07-2020</a:t>
             </a:fld>
             <a:endParaRPr lang="en-IN"/>
           </a:p>
@@ -2560,7 +2568,7 @@
           <a:p>
             <a:fld id="{D44819FF-3A67-40A4-B5A2-DDB6C435A71E}" type="datetimeFigureOut">
               <a:rPr lang="en-IN" smtClean="0"/>
-              <a:t>24-07-2020</a:t>
+              <a:t>30-07-2020</a:t>
             </a:fld>
             <a:endParaRPr lang="en-IN"/>
           </a:p>
@@ -3649,6 +3657,1371 @@
 </p:sld>
 </file>
 
+<file path=ppt/slides/slide3.xml><?xml version="1.0" encoding="utf-8"?>
+<p:sld xmlns:a="http://schemas.openxmlformats.org/drawingml/2006/main" xmlns:r="http://schemas.openxmlformats.org/officeDocument/2006/relationships" xmlns:p="http://schemas.openxmlformats.org/presentationml/2006/main">
+  <p:cSld>
+    <p:spTree>
+      <p:nvGrpSpPr>
+        <p:cNvPr id="1" name=""/>
+        <p:cNvGrpSpPr/>
+        <p:nvPr/>
+      </p:nvGrpSpPr>
+      <p:grpSpPr>
+        <a:xfrm>
+          <a:off x="0" y="0"/>
+          <a:ext cx="0" cy="0"/>
+          <a:chOff x="0" y="0"/>
+          <a:chExt cx="0" cy="0"/>
+        </a:xfrm>
+      </p:grpSpPr>
+      <p:sp>
+        <p:nvSpPr>
+          <p:cNvPr id="2" name="Oval 1"/>
+          <p:cNvSpPr/>
+          <p:nvPr/>
+        </p:nvSpPr>
+        <p:spPr>
+          <a:xfrm>
+            <a:off x="2878669" y="1128891"/>
+            <a:ext cx="3544711" cy="3747911"/>
+          </a:xfrm>
+          <a:prstGeom prst="ellipse">
+            <a:avLst/>
+          </a:prstGeom>
+          <a:noFill/>
+          <a:ln w="28575">
+            <a:solidFill>
+              <a:schemeClr val="tx1"/>
+            </a:solidFill>
+          </a:ln>
+        </p:spPr>
+        <p:style>
+          <a:lnRef idx="2">
+            <a:schemeClr val="accent1">
+              <a:shade val="50000"/>
+            </a:schemeClr>
+          </a:lnRef>
+          <a:fillRef idx="1">
+            <a:schemeClr val="accent1"/>
+          </a:fillRef>
+          <a:effectRef idx="0">
+            <a:schemeClr val="accent1"/>
+          </a:effectRef>
+          <a:fontRef idx="minor">
+            <a:schemeClr val="lt1"/>
+          </a:fontRef>
+        </p:style>
+        <p:txBody>
+          <a:bodyPr rtlCol="0" anchor="ctr"/>
+          <a:lstStyle/>
+          <a:p>
+            <a:pPr algn="ctr"/>
+            <a:endParaRPr lang="en-IN"/>
+          </a:p>
+        </p:txBody>
+      </p:sp>
+      <p:sp>
+        <p:nvSpPr>
+          <p:cNvPr id="3" name="Oval 2"/>
+          <p:cNvSpPr/>
+          <p:nvPr/>
+        </p:nvSpPr>
+        <p:spPr>
+          <a:xfrm>
+            <a:off x="4848581" y="1128890"/>
+            <a:ext cx="3544711" cy="3747911"/>
+          </a:xfrm>
+          <a:prstGeom prst="ellipse">
+            <a:avLst/>
+          </a:prstGeom>
+          <a:noFill/>
+          <a:ln w="28575">
+            <a:solidFill>
+              <a:schemeClr val="tx1"/>
+            </a:solidFill>
+          </a:ln>
+        </p:spPr>
+        <p:style>
+          <a:lnRef idx="2">
+            <a:schemeClr val="accent1">
+              <a:shade val="50000"/>
+            </a:schemeClr>
+          </a:lnRef>
+          <a:fillRef idx="1">
+            <a:schemeClr val="accent1"/>
+          </a:fillRef>
+          <a:effectRef idx="0">
+            <a:schemeClr val="accent1"/>
+          </a:effectRef>
+          <a:fontRef idx="minor">
+            <a:schemeClr val="lt1"/>
+          </a:fontRef>
+        </p:style>
+        <p:txBody>
+          <a:bodyPr rtlCol="0" anchor="ctr"/>
+          <a:lstStyle/>
+          <a:p>
+            <a:pPr algn="ctr"/>
+            <a:endParaRPr lang="en-IN"/>
+          </a:p>
+        </p:txBody>
+      </p:sp>
+      <p:sp>
+        <p:nvSpPr>
+          <p:cNvPr id="6" name="TextBox 5"/>
+          <p:cNvSpPr txBox="1"/>
+          <p:nvPr/>
+        </p:nvSpPr>
+        <p:spPr>
+          <a:xfrm>
+            <a:off x="2878669" y="5181600"/>
+            <a:ext cx="849528" cy="369332"/>
+          </a:xfrm>
+          <a:prstGeom prst="rect">
+            <a:avLst/>
+          </a:prstGeom>
+          <a:noFill/>
+        </p:spPr>
+        <p:txBody>
+          <a:bodyPr wrap="none" rtlCol="0">
+            <a:spAutoFit/>
+          </a:bodyPr>
+          <a:lstStyle/>
+          <a:p>
+            <a:r>
+              <a:rPr lang="en-IN" dirty="0" smtClean="0"/>
+              <a:t>Table 1</a:t>
+            </a:r>
+            <a:endParaRPr lang="en-IN" dirty="0"/>
+          </a:p>
+        </p:txBody>
+      </p:sp>
+      <p:sp>
+        <p:nvSpPr>
+          <p:cNvPr id="7" name="TextBox 6"/>
+          <p:cNvSpPr txBox="1"/>
+          <p:nvPr/>
+        </p:nvSpPr>
+        <p:spPr>
+          <a:xfrm>
+            <a:off x="7309558" y="5096933"/>
+            <a:ext cx="849528" cy="369332"/>
+          </a:xfrm>
+          <a:prstGeom prst="rect">
+            <a:avLst/>
+          </a:prstGeom>
+          <a:noFill/>
+        </p:spPr>
+        <p:txBody>
+          <a:bodyPr wrap="none" rtlCol="0">
+            <a:spAutoFit/>
+          </a:bodyPr>
+          <a:lstStyle/>
+          <a:p>
+            <a:r>
+              <a:rPr lang="en-IN" dirty="0" smtClean="0"/>
+              <a:t>Table 2</a:t>
+            </a:r>
+            <a:endParaRPr lang="en-IN" dirty="0"/>
+          </a:p>
+        </p:txBody>
+      </p:sp>
+      <p:cxnSp>
+        <p:nvCxnSpPr>
+          <p:cNvPr id="9" name="Straight Connector 8"/>
+          <p:cNvCxnSpPr/>
+          <p:nvPr/>
+        </p:nvCxnSpPr>
+        <p:spPr>
+          <a:xfrm>
+            <a:off x="5249333" y="1950156"/>
+            <a:ext cx="767645" cy="28223"/>
+          </a:xfrm>
+          <a:prstGeom prst="line">
+            <a:avLst/>
+          </a:prstGeom>
+          <a:ln w="38100">
+            <a:solidFill>
+              <a:schemeClr val="tx1"/>
+            </a:solidFill>
+          </a:ln>
+        </p:spPr>
+        <p:style>
+          <a:lnRef idx="1">
+            <a:schemeClr val="accent1"/>
+          </a:lnRef>
+          <a:fillRef idx="0">
+            <a:schemeClr val="accent1"/>
+          </a:fillRef>
+          <a:effectRef idx="0">
+            <a:schemeClr val="accent1"/>
+          </a:effectRef>
+          <a:fontRef idx="minor">
+            <a:schemeClr val="tx1"/>
+          </a:fontRef>
+        </p:style>
+      </p:cxnSp>
+      <p:cxnSp>
+        <p:nvCxnSpPr>
+          <p:cNvPr id="10" name="Straight Connector 9"/>
+          <p:cNvCxnSpPr/>
+          <p:nvPr/>
+        </p:nvCxnSpPr>
+        <p:spPr>
+          <a:xfrm>
+            <a:off x="5023556" y="2376311"/>
+            <a:ext cx="1219200" cy="39511"/>
+          </a:xfrm>
+          <a:prstGeom prst="line">
+            <a:avLst/>
+          </a:prstGeom>
+          <a:ln w="38100">
+            <a:solidFill>
+              <a:schemeClr val="tx1"/>
+            </a:solidFill>
+          </a:ln>
+        </p:spPr>
+        <p:style>
+          <a:lnRef idx="1">
+            <a:schemeClr val="accent1"/>
+          </a:lnRef>
+          <a:fillRef idx="0">
+            <a:schemeClr val="accent1"/>
+          </a:fillRef>
+          <a:effectRef idx="0">
+            <a:schemeClr val="accent1"/>
+          </a:effectRef>
+          <a:fontRef idx="minor">
+            <a:schemeClr val="tx1"/>
+          </a:fontRef>
+        </p:style>
+      </p:cxnSp>
+      <p:cxnSp>
+        <p:nvCxnSpPr>
+          <p:cNvPr id="12" name="Straight Connector 11"/>
+          <p:cNvCxnSpPr/>
+          <p:nvPr/>
+        </p:nvCxnSpPr>
+        <p:spPr>
+          <a:xfrm>
+            <a:off x="5000978" y="2841977"/>
+            <a:ext cx="1219200" cy="39511"/>
+          </a:xfrm>
+          <a:prstGeom prst="line">
+            <a:avLst/>
+          </a:prstGeom>
+          <a:ln w="38100">
+            <a:solidFill>
+              <a:schemeClr val="tx1"/>
+            </a:solidFill>
+          </a:ln>
+        </p:spPr>
+        <p:style>
+          <a:lnRef idx="1">
+            <a:schemeClr val="accent1"/>
+          </a:lnRef>
+          <a:fillRef idx="0">
+            <a:schemeClr val="accent1"/>
+          </a:fillRef>
+          <a:effectRef idx="0">
+            <a:schemeClr val="accent1"/>
+          </a:effectRef>
+          <a:fontRef idx="minor">
+            <a:schemeClr val="tx1"/>
+          </a:fontRef>
+        </p:style>
+      </p:cxnSp>
+      <p:cxnSp>
+        <p:nvCxnSpPr>
+          <p:cNvPr id="13" name="Straight Connector 12"/>
+          <p:cNvCxnSpPr/>
+          <p:nvPr/>
+        </p:nvCxnSpPr>
+        <p:spPr>
+          <a:xfrm>
+            <a:off x="5023556" y="3279420"/>
+            <a:ext cx="1219200" cy="39511"/>
+          </a:xfrm>
+          <a:prstGeom prst="line">
+            <a:avLst/>
+          </a:prstGeom>
+          <a:ln w="38100">
+            <a:solidFill>
+              <a:schemeClr val="tx1"/>
+            </a:solidFill>
+          </a:ln>
+        </p:spPr>
+        <p:style>
+          <a:lnRef idx="1">
+            <a:schemeClr val="accent1"/>
+          </a:lnRef>
+          <a:fillRef idx="0">
+            <a:schemeClr val="accent1"/>
+          </a:fillRef>
+          <a:effectRef idx="0">
+            <a:schemeClr val="accent1"/>
+          </a:effectRef>
+          <a:fontRef idx="minor">
+            <a:schemeClr val="tx1"/>
+          </a:fontRef>
+        </p:style>
+      </p:cxnSp>
+      <p:cxnSp>
+        <p:nvCxnSpPr>
+          <p:cNvPr id="14" name="Straight Connector 13"/>
+          <p:cNvCxnSpPr/>
+          <p:nvPr/>
+        </p:nvCxnSpPr>
+        <p:spPr>
+          <a:xfrm>
+            <a:off x="5023556" y="3817057"/>
+            <a:ext cx="1219200" cy="39511"/>
+          </a:xfrm>
+          <a:prstGeom prst="line">
+            <a:avLst/>
+          </a:prstGeom>
+          <a:ln w="38100">
+            <a:solidFill>
+              <a:schemeClr val="tx1"/>
+            </a:solidFill>
+          </a:ln>
+        </p:spPr>
+        <p:style>
+          <a:lnRef idx="1">
+            <a:schemeClr val="accent1"/>
+          </a:lnRef>
+          <a:fillRef idx="0">
+            <a:schemeClr val="accent1"/>
+          </a:fillRef>
+          <a:effectRef idx="0">
+            <a:schemeClr val="accent1"/>
+          </a:effectRef>
+          <a:fontRef idx="minor">
+            <a:schemeClr val="tx1"/>
+          </a:fontRef>
+        </p:style>
+      </p:cxnSp>
+      <p:sp>
+        <p:nvSpPr>
+          <p:cNvPr id="17" name="TextBox 16"/>
+          <p:cNvSpPr txBox="1"/>
+          <p:nvPr/>
+        </p:nvSpPr>
+        <p:spPr>
+          <a:xfrm>
+            <a:off x="5023599" y="5505125"/>
+            <a:ext cx="1104790" cy="369332"/>
+          </a:xfrm>
+          <a:prstGeom prst="rect">
+            <a:avLst/>
+          </a:prstGeom>
+          <a:noFill/>
+        </p:spPr>
+        <p:txBody>
+          <a:bodyPr wrap="none" rtlCol="0">
+            <a:spAutoFit/>
+          </a:bodyPr>
+          <a:lstStyle/>
+          <a:p>
+            <a:r>
+              <a:rPr lang="en-IN" dirty="0" smtClean="0"/>
+              <a:t>Inner Join</a:t>
+            </a:r>
+            <a:endParaRPr lang="en-IN" dirty="0"/>
+          </a:p>
+        </p:txBody>
+      </p:sp>
+      <p:sp>
+        <p:nvSpPr>
+          <p:cNvPr id="18" name="TextBox 17"/>
+          <p:cNvSpPr txBox="1"/>
+          <p:nvPr/>
+        </p:nvSpPr>
+        <p:spPr>
+          <a:xfrm>
+            <a:off x="2353736" y="1281288"/>
+            <a:ext cx="919932" cy="369332"/>
+          </a:xfrm>
+          <a:prstGeom prst="rect">
+            <a:avLst/>
+          </a:prstGeom>
+          <a:noFill/>
+        </p:spPr>
+        <p:txBody>
+          <a:bodyPr wrap="none" rtlCol="0">
+            <a:spAutoFit/>
+          </a:bodyPr>
+          <a:lstStyle/>
+          <a:p>
+            <a:r>
+              <a:rPr lang="en-IN" dirty="0" smtClean="0"/>
+              <a:t>Product</a:t>
+            </a:r>
+            <a:endParaRPr lang="en-IN" dirty="0"/>
+          </a:p>
+        </p:txBody>
+      </p:sp>
+      <p:sp>
+        <p:nvSpPr>
+          <p:cNvPr id="19" name="TextBox 18"/>
+          <p:cNvSpPr txBox="1"/>
+          <p:nvPr/>
+        </p:nvSpPr>
+        <p:spPr>
+          <a:xfrm>
+            <a:off x="8291692" y="1298220"/>
+            <a:ext cx="817147" cy="369332"/>
+          </a:xfrm>
+          <a:prstGeom prst="rect">
+            <a:avLst/>
+          </a:prstGeom>
+          <a:noFill/>
+        </p:spPr>
+        <p:txBody>
+          <a:bodyPr wrap="none" rtlCol="0">
+            <a:spAutoFit/>
+          </a:bodyPr>
+          <a:lstStyle/>
+          <a:p>
+            <a:r>
+              <a:rPr lang="en-IN" dirty="0" smtClean="0"/>
+              <a:t>Orders</a:t>
+            </a:r>
+            <a:endParaRPr lang="en-IN" dirty="0"/>
+          </a:p>
+        </p:txBody>
+      </p:sp>
+    </p:spTree>
+    <p:extLst>
+      <p:ext uri="{BB962C8B-B14F-4D97-AF65-F5344CB8AC3E}">
+        <p14:creationId xmlns:p14="http://schemas.microsoft.com/office/powerpoint/2010/main" val="2986974944"/>
+      </p:ext>
+    </p:extLst>
+  </p:cSld>
+  <p:clrMapOvr>
+    <a:masterClrMapping/>
+  </p:clrMapOvr>
+  <p:timing>
+    <p:tnLst>
+      <p:par>
+        <p:cTn id="1" dur="indefinite" restart="never" nodeType="tmRoot"/>
+      </p:par>
+    </p:tnLst>
+  </p:timing>
+</p:sld>
+</file>
+
+<file path=ppt/slides/slide4.xml><?xml version="1.0" encoding="utf-8"?>
+<p:sld xmlns:a="http://schemas.openxmlformats.org/drawingml/2006/main" xmlns:r="http://schemas.openxmlformats.org/officeDocument/2006/relationships" xmlns:p="http://schemas.openxmlformats.org/presentationml/2006/main">
+  <p:cSld>
+    <p:spTree>
+      <p:nvGrpSpPr>
+        <p:cNvPr id="1" name=""/>
+        <p:cNvGrpSpPr/>
+        <p:nvPr/>
+      </p:nvGrpSpPr>
+      <p:grpSpPr>
+        <a:xfrm>
+          <a:off x="0" y="0"/>
+          <a:ext cx="0" cy="0"/>
+          <a:chOff x="0" y="0"/>
+          <a:chExt cx="0" cy="0"/>
+        </a:xfrm>
+      </p:grpSpPr>
+      <p:sp>
+        <p:nvSpPr>
+          <p:cNvPr id="2" name="Oval 1"/>
+          <p:cNvSpPr/>
+          <p:nvPr/>
+        </p:nvSpPr>
+        <p:spPr>
+          <a:xfrm>
+            <a:off x="2878669" y="1128891"/>
+            <a:ext cx="3544711" cy="3747911"/>
+          </a:xfrm>
+          <a:prstGeom prst="ellipse">
+            <a:avLst/>
+          </a:prstGeom>
+          <a:noFill/>
+          <a:ln w="28575">
+            <a:solidFill>
+              <a:schemeClr val="tx1"/>
+            </a:solidFill>
+          </a:ln>
+        </p:spPr>
+        <p:style>
+          <a:lnRef idx="2">
+            <a:schemeClr val="accent1">
+              <a:shade val="50000"/>
+            </a:schemeClr>
+          </a:lnRef>
+          <a:fillRef idx="1">
+            <a:schemeClr val="accent1"/>
+          </a:fillRef>
+          <a:effectRef idx="0">
+            <a:schemeClr val="accent1"/>
+          </a:effectRef>
+          <a:fontRef idx="minor">
+            <a:schemeClr val="lt1"/>
+          </a:fontRef>
+        </p:style>
+        <p:txBody>
+          <a:bodyPr rtlCol="0" anchor="ctr"/>
+          <a:lstStyle/>
+          <a:p>
+            <a:pPr algn="ctr"/>
+            <a:endParaRPr lang="en-IN"/>
+          </a:p>
+        </p:txBody>
+      </p:sp>
+      <p:sp>
+        <p:nvSpPr>
+          <p:cNvPr id="3" name="Oval 2"/>
+          <p:cNvSpPr/>
+          <p:nvPr/>
+        </p:nvSpPr>
+        <p:spPr>
+          <a:xfrm>
+            <a:off x="4848581" y="1128890"/>
+            <a:ext cx="3544711" cy="3747911"/>
+          </a:xfrm>
+          <a:prstGeom prst="ellipse">
+            <a:avLst/>
+          </a:prstGeom>
+          <a:noFill/>
+          <a:ln w="28575">
+            <a:solidFill>
+              <a:schemeClr val="tx1"/>
+            </a:solidFill>
+          </a:ln>
+        </p:spPr>
+        <p:style>
+          <a:lnRef idx="2">
+            <a:schemeClr val="accent1">
+              <a:shade val="50000"/>
+            </a:schemeClr>
+          </a:lnRef>
+          <a:fillRef idx="1">
+            <a:schemeClr val="accent1"/>
+          </a:fillRef>
+          <a:effectRef idx="0">
+            <a:schemeClr val="accent1"/>
+          </a:effectRef>
+          <a:fontRef idx="minor">
+            <a:schemeClr val="lt1"/>
+          </a:fontRef>
+        </p:style>
+        <p:txBody>
+          <a:bodyPr rtlCol="0" anchor="ctr"/>
+          <a:lstStyle/>
+          <a:p>
+            <a:pPr algn="ctr"/>
+            <a:endParaRPr lang="en-IN"/>
+          </a:p>
+        </p:txBody>
+      </p:sp>
+      <p:sp>
+        <p:nvSpPr>
+          <p:cNvPr id="6" name="TextBox 5"/>
+          <p:cNvSpPr txBox="1"/>
+          <p:nvPr/>
+        </p:nvSpPr>
+        <p:spPr>
+          <a:xfrm>
+            <a:off x="2878669" y="5181600"/>
+            <a:ext cx="849528" cy="369332"/>
+          </a:xfrm>
+          <a:prstGeom prst="rect">
+            <a:avLst/>
+          </a:prstGeom>
+          <a:noFill/>
+        </p:spPr>
+        <p:txBody>
+          <a:bodyPr wrap="none" rtlCol="0">
+            <a:spAutoFit/>
+          </a:bodyPr>
+          <a:lstStyle/>
+          <a:p>
+            <a:r>
+              <a:rPr lang="en-IN" dirty="0" smtClean="0"/>
+              <a:t>Table 1</a:t>
+            </a:r>
+            <a:endParaRPr lang="en-IN" dirty="0"/>
+          </a:p>
+        </p:txBody>
+      </p:sp>
+      <p:sp>
+        <p:nvSpPr>
+          <p:cNvPr id="7" name="TextBox 6"/>
+          <p:cNvSpPr txBox="1"/>
+          <p:nvPr/>
+        </p:nvSpPr>
+        <p:spPr>
+          <a:xfrm>
+            <a:off x="7309558" y="5096933"/>
+            <a:ext cx="849528" cy="369332"/>
+          </a:xfrm>
+          <a:prstGeom prst="rect">
+            <a:avLst/>
+          </a:prstGeom>
+          <a:noFill/>
+        </p:spPr>
+        <p:txBody>
+          <a:bodyPr wrap="none" rtlCol="0">
+            <a:spAutoFit/>
+          </a:bodyPr>
+          <a:lstStyle/>
+          <a:p>
+            <a:r>
+              <a:rPr lang="en-IN" dirty="0" smtClean="0"/>
+              <a:t>Table 2</a:t>
+            </a:r>
+            <a:endParaRPr lang="en-IN" dirty="0"/>
+          </a:p>
+        </p:txBody>
+      </p:sp>
+      <p:sp>
+        <p:nvSpPr>
+          <p:cNvPr id="17" name="TextBox 16"/>
+          <p:cNvSpPr txBox="1"/>
+          <p:nvPr/>
+        </p:nvSpPr>
+        <p:spPr>
+          <a:xfrm>
+            <a:off x="5023599" y="5505125"/>
+            <a:ext cx="966483" cy="369332"/>
+          </a:xfrm>
+          <a:prstGeom prst="rect">
+            <a:avLst/>
+          </a:prstGeom>
+          <a:noFill/>
+        </p:spPr>
+        <p:txBody>
+          <a:bodyPr wrap="none" rtlCol="0">
+            <a:spAutoFit/>
+          </a:bodyPr>
+          <a:lstStyle/>
+          <a:p>
+            <a:r>
+              <a:rPr lang="en-IN" dirty="0" smtClean="0"/>
+              <a:t>Left Join</a:t>
+            </a:r>
+            <a:endParaRPr lang="en-IN" dirty="0"/>
+          </a:p>
+        </p:txBody>
+      </p:sp>
+      <p:sp>
+        <p:nvSpPr>
+          <p:cNvPr id="18" name="TextBox 17"/>
+          <p:cNvSpPr txBox="1"/>
+          <p:nvPr/>
+        </p:nvSpPr>
+        <p:spPr>
+          <a:xfrm>
+            <a:off x="2353736" y="1281288"/>
+            <a:ext cx="817147" cy="369332"/>
+          </a:xfrm>
+          <a:prstGeom prst="rect">
+            <a:avLst/>
+          </a:prstGeom>
+          <a:noFill/>
+        </p:spPr>
+        <p:txBody>
+          <a:bodyPr wrap="none" rtlCol="0">
+            <a:spAutoFit/>
+          </a:bodyPr>
+          <a:lstStyle/>
+          <a:p>
+            <a:r>
+              <a:rPr lang="en-IN" dirty="0" smtClean="0"/>
+              <a:t>Orders</a:t>
+            </a:r>
+            <a:endParaRPr lang="en-IN" dirty="0"/>
+          </a:p>
+        </p:txBody>
+      </p:sp>
+      <p:sp>
+        <p:nvSpPr>
+          <p:cNvPr id="19" name="TextBox 18"/>
+          <p:cNvSpPr txBox="1"/>
+          <p:nvPr/>
+        </p:nvSpPr>
+        <p:spPr>
+          <a:xfrm>
+            <a:off x="8291692" y="1298220"/>
+            <a:ext cx="1179362" cy="369332"/>
+          </a:xfrm>
+          <a:prstGeom prst="rect">
+            <a:avLst/>
+          </a:prstGeom>
+          <a:noFill/>
+        </p:spPr>
+        <p:txBody>
+          <a:bodyPr wrap="none" rtlCol="0">
+            <a:spAutoFit/>
+          </a:bodyPr>
+          <a:lstStyle/>
+          <a:p>
+            <a:r>
+              <a:rPr lang="en-IN" dirty="0" smtClean="0"/>
+              <a:t>Customers</a:t>
+            </a:r>
+            <a:endParaRPr lang="en-IN" dirty="0"/>
+          </a:p>
+        </p:txBody>
+      </p:sp>
+      <p:cxnSp>
+        <p:nvCxnSpPr>
+          <p:cNvPr id="5" name="Straight Connector 4"/>
+          <p:cNvCxnSpPr>
+            <a:stCxn id="2" idx="1"/>
+            <a:endCxn id="2" idx="7"/>
+          </p:cNvCxnSpPr>
+          <p:nvPr/>
+        </p:nvCxnSpPr>
+        <p:spPr>
+          <a:xfrm>
+            <a:off x="3397780" y="1677760"/>
+            <a:ext cx="2506489" cy="0"/>
+          </a:xfrm>
+          <a:prstGeom prst="line">
+            <a:avLst/>
+          </a:prstGeom>
+          <a:ln w="28575">
+            <a:solidFill>
+              <a:schemeClr val="tx1"/>
+            </a:solidFill>
+          </a:ln>
+        </p:spPr>
+        <p:style>
+          <a:lnRef idx="1">
+            <a:schemeClr val="accent1"/>
+          </a:lnRef>
+          <a:fillRef idx="0">
+            <a:schemeClr val="accent1"/>
+          </a:fillRef>
+          <a:effectRef idx="0">
+            <a:schemeClr val="accent1"/>
+          </a:effectRef>
+          <a:fontRef idx="minor">
+            <a:schemeClr val="tx1"/>
+          </a:fontRef>
+        </p:style>
+      </p:cxnSp>
+      <p:cxnSp>
+        <p:nvCxnSpPr>
+          <p:cNvPr id="16" name="Straight Connector 15"/>
+          <p:cNvCxnSpPr/>
+          <p:nvPr/>
+        </p:nvCxnSpPr>
+        <p:spPr>
+          <a:xfrm flipV="1">
+            <a:off x="3025422" y="2291645"/>
+            <a:ext cx="3285067" cy="14439"/>
+          </a:xfrm>
+          <a:prstGeom prst="line">
+            <a:avLst/>
+          </a:prstGeom>
+          <a:ln w="28575">
+            <a:solidFill>
+              <a:schemeClr val="tx1"/>
+            </a:solidFill>
+          </a:ln>
+        </p:spPr>
+        <p:style>
+          <a:lnRef idx="1">
+            <a:schemeClr val="accent1"/>
+          </a:lnRef>
+          <a:fillRef idx="0">
+            <a:schemeClr val="accent1"/>
+          </a:fillRef>
+          <a:effectRef idx="0">
+            <a:schemeClr val="accent1"/>
+          </a:effectRef>
+          <a:fontRef idx="minor">
+            <a:schemeClr val="tx1"/>
+          </a:fontRef>
+        </p:style>
+      </p:cxnSp>
+      <p:cxnSp>
+        <p:nvCxnSpPr>
+          <p:cNvPr id="20" name="Straight Connector 19"/>
+          <p:cNvCxnSpPr/>
+          <p:nvPr/>
+        </p:nvCxnSpPr>
+        <p:spPr>
+          <a:xfrm flipV="1">
+            <a:off x="2878669" y="3002845"/>
+            <a:ext cx="3431820" cy="35227"/>
+          </a:xfrm>
+          <a:prstGeom prst="line">
+            <a:avLst/>
+          </a:prstGeom>
+          <a:ln w="28575">
+            <a:solidFill>
+              <a:schemeClr val="tx1"/>
+            </a:solidFill>
+          </a:ln>
+        </p:spPr>
+        <p:style>
+          <a:lnRef idx="1">
+            <a:schemeClr val="accent1"/>
+          </a:lnRef>
+          <a:fillRef idx="0">
+            <a:schemeClr val="accent1"/>
+          </a:fillRef>
+          <a:effectRef idx="0">
+            <a:schemeClr val="accent1"/>
+          </a:effectRef>
+          <a:fontRef idx="minor">
+            <a:schemeClr val="tx1"/>
+          </a:fontRef>
+        </p:style>
+      </p:cxnSp>
+      <p:cxnSp>
+        <p:nvCxnSpPr>
+          <p:cNvPr id="21" name="Straight Connector 20"/>
+          <p:cNvCxnSpPr/>
+          <p:nvPr/>
+        </p:nvCxnSpPr>
+        <p:spPr>
+          <a:xfrm flipV="1">
+            <a:off x="3025422" y="3631169"/>
+            <a:ext cx="3285067" cy="35226"/>
+          </a:xfrm>
+          <a:prstGeom prst="line">
+            <a:avLst/>
+          </a:prstGeom>
+          <a:ln w="28575">
+            <a:solidFill>
+              <a:schemeClr val="tx1"/>
+            </a:solidFill>
+          </a:ln>
+        </p:spPr>
+        <p:style>
+          <a:lnRef idx="1">
+            <a:schemeClr val="accent1"/>
+          </a:lnRef>
+          <a:fillRef idx="0">
+            <a:schemeClr val="accent1"/>
+          </a:fillRef>
+          <a:effectRef idx="0">
+            <a:schemeClr val="accent1"/>
+          </a:effectRef>
+          <a:fontRef idx="minor">
+            <a:schemeClr val="tx1"/>
+          </a:fontRef>
+        </p:style>
+      </p:cxnSp>
+      <p:cxnSp>
+        <p:nvCxnSpPr>
+          <p:cNvPr id="22" name="Straight Connector 21"/>
+          <p:cNvCxnSpPr/>
+          <p:nvPr/>
+        </p:nvCxnSpPr>
+        <p:spPr>
+          <a:xfrm>
+            <a:off x="3349334" y="4243374"/>
+            <a:ext cx="2640748" cy="10610"/>
+          </a:xfrm>
+          <a:prstGeom prst="line">
+            <a:avLst/>
+          </a:prstGeom>
+          <a:ln w="28575">
+            <a:solidFill>
+              <a:schemeClr val="tx1"/>
+            </a:solidFill>
+          </a:ln>
+        </p:spPr>
+        <p:style>
+          <a:lnRef idx="1">
+            <a:schemeClr val="accent1"/>
+          </a:lnRef>
+          <a:fillRef idx="0">
+            <a:schemeClr val="accent1"/>
+          </a:fillRef>
+          <a:effectRef idx="0">
+            <a:schemeClr val="accent1"/>
+          </a:effectRef>
+          <a:fontRef idx="minor">
+            <a:schemeClr val="tx1"/>
+          </a:fontRef>
+        </p:style>
+      </p:cxnSp>
+    </p:spTree>
+    <p:extLst>
+      <p:ext uri="{BB962C8B-B14F-4D97-AF65-F5344CB8AC3E}">
+        <p14:creationId xmlns:p14="http://schemas.microsoft.com/office/powerpoint/2010/main" val="1989656591"/>
+      </p:ext>
+    </p:extLst>
+  </p:cSld>
+  <p:clrMapOvr>
+    <a:masterClrMapping/>
+  </p:clrMapOvr>
+  <p:timing>
+    <p:tnLst>
+      <p:par>
+        <p:cTn id="1" dur="indefinite" restart="never" nodeType="tmRoot"/>
+      </p:par>
+    </p:tnLst>
+  </p:timing>
+</p:sld>
+</file>
+
+<file path=ppt/slides/slide5.xml><?xml version="1.0" encoding="utf-8"?>
+<p:sld xmlns:a="http://schemas.openxmlformats.org/drawingml/2006/main" xmlns:r="http://schemas.openxmlformats.org/officeDocument/2006/relationships" xmlns:p="http://schemas.openxmlformats.org/presentationml/2006/main">
+  <p:cSld>
+    <p:spTree>
+      <p:nvGrpSpPr>
+        <p:cNvPr id="1" name=""/>
+        <p:cNvGrpSpPr/>
+        <p:nvPr/>
+      </p:nvGrpSpPr>
+      <p:grpSpPr>
+        <a:xfrm>
+          <a:off x="0" y="0"/>
+          <a:ext cx="0" cy="0"/>
+          <a:chOff x="0" y="0"/>
+          <a:chExt cx="0" cy="0"/>
+        </a:xfrm>
+      </p:grpSpPr>
+      <p:sp>
+        <p:nvSpPr>
+          <p:cNvPr id="2" name="Oval 1"/>
+          <p:cNvSpPr/>
+          <p:nvPr/>
+        </p:nvSpPr>
+        <p:spPr>
+          <a:xfrm>
+            <a:off x="2878669" y="1128891"/>
+            <a:ext cx="3544711" cy="3747911"/>
+          </a:xfrm>
+          <a:prstGeom prst="ellipse">
+            <a:avLst/>
+          </a:prstGeom>
+          <a:noFill/>
+          <a:ln w="28575">
+            <a:solidFill>
+              <a:schemeClr val="tx1"/>
+            </a:solidFill>
+          </a:ln>
+        </p:spPr>
+        <p:style>
+          <a:lnRef idx="2">
+            <a:schemeClr val="accent1">
+              <a:shade val="50000"/>
+            </a:schemeClr>
+          </a:lnRef>
+          <a:fillRef idx="1">
+            <a:schemeClr val="accent1"/>
+          </a:fillRef>
+          <a:effectRef idx="0">
+            <a:schemeClr val="accent1"/>
+          </a:effectRef>
+          <a:fontRef idx="minor">
+            <a:schemeClr val="lt1"/>
+          </a:fontRef>
+        </p:style>
+        <p:txBody>
+          <a:bodyPr rtlCol="0" anchor="ctr"/>
+          <a:lstStyle/>
+          <a:p>
+            <a:pPr algn="ctr"/>
+            <a:endParaRPr lang="en-IN"/>
+          </a:p>
+        </p:txBody>
+      </p:sp>
+      <p:sp>
+        <p:nvSpPr>
+          <p:cNvPr id="3" name="Oval 2"/>
+          <p:cNvSpPr/>
+          <p:nvPr/>
+        </p:nvSpPr>
+        <p:spPr>
+          <a:xfrm>
+            <a:off x="4848581" y="1128890"/>
+            <a:ext cx="3544711" cy="3747911"/>
+          </a:xfrm>
+          <a:prstGeom prst="ellipse">
+            <a:avLst/>
+          </a:prstGeom>
+          <a:noFill/>
+          <a:ln w="28575">
+            <a:solidFill>
+              <a:schemeClr val="tx1"/>
+            </a:solidFill>
+          </a:ln>
+        </p:spPr>
+        <p:style>
+          <a:lnRef idx="2">
+            <a:schemeClr val="accent1">
+              <a:shade val="50000"/>
+            </a:schemeClr>
+          </a:lnRef>
+          <a:fillRef idx="1">
+            <a:schemeClr val="accent1"/>
+          </a:fillRef>
+          <a:effectRef idx="0">
+            <a:schemeClr val="accent1"/>
+          </a:effectRef>
+          <a:fontRef idx="minor">
+            <a:schemeClr val="lt1"/>
+          </a:fontRef>
+        </p:style>
+        <p:txBody>
+          <a:bodyPr rtlCol="0" anchor="ctr"/>
+          <a:lstStyle/>
+          <a:p>
+            <a:pPr algn="ctr"/>
+            <a:endParaRPr lang="en-IN"/>
+          </a:p>
+        </p:txBody>
+      </p:sp>
+      <p:sp>
+        <p:nvSpPr>
+          <p:cNvPr id="6" name="TextBox 5"/>
+          <p:cNvSpPr txBox="1"/>
+          <p:nvPr/>
+        </p:nvSpPr>
+        <p:spPr>
+          <a:xfrm>
+            <a:off x="2878669" y="5181600"/>
+            <a:ext cx="849528" cy="369332"/>
+          </a:xfrm>
+          <a:prstGeom prst="rect">
+            <a:avLst/>
+          </a:prstGeom>
+          <a:noFill/>
+        </p:spPr>
+        <p:txBody>
+          <a:bodyPr wrap="none" rtlCol="0">
+            <a:spAutoFit/>
+          </a:bodyPr>
+          <a:lstStyle/>
+          <a:p>
+            <a:r>
+              <a:rPr lang="en-IN" dirty="0" smtClean="0"/>
+              <a:t>Table 1</a:t>
+            </a:r>
+            <a:endParaRPr lang="en-IN" dirty="0"/>
+          </a:p>
+        </p:txBody>
+      </p:sp>
+      <p:sp>
+        <p:nvSpPr>
+          <p:cNvPr id="7" name="TextBox 6"/>
+          <p:cNvSpPr txBox="1"/>
+          <p:nvPr/>
+        </p:nvSpPr>
+        <p:spPr>
+          <a:xfrm>
+            <a:off x="7309558" y="5096933"/>
+            <a:ext cx="849528" cy="369332"/>
+          </a:xfrm>
+          <a:prstGeom prst="rect">
+            <a:avLst/>
+          </a:prstGeom>
+          <a:noFill/>
+        </p:spPr>
+        <p:txBody>
+          <a:bodyPr wrap="none" rtlCol="0">
+            <a:spAutoFit/>
+          </a:bodyPr>
+          <a:lstStyle/>
+          <a:p>
+            <a:r>
+              <a:rPr lang="en-IN" dirty="0" smtClean="0"/>
+              <a:t>Table 2</a:t>
+            </a:r>
+            <a:endParaRPr lang="en-IN" dirty="0"/>
+          </a:p>
+        </p:txBody>
+      </p:sp>
+      <p:sp>
+        <p:nvSpPr>
+          <p:cNvPr id="17" name="TextBox 16"/>
+          <p:cNvSpPr txBox="1"/>
+          <p:nvPr/>
+        </p:nvSpPr>
+        <p:spPr>
+          <a:xfrm>
+            <a:off x="5023599" y="5505125"/>
+            <a:ext cx="1091453" cy="369332"/>
+          </a:xfrm>
+          <a:prstGeom prst="rect">
+            <a:avLst/>
+          </a:prstGeom>
+          <a:noFill/>
+        </p:spPr>
+        <p:txBody>
+          <a:bodyPr wrap="none" rtlCol="0">
+            <a:spAutoFit/>
+          </a:bodyPr>
+          <a:lstStyle/>
+          <a:p>
+            <a:r>
+              <a:rPr lang="en-IN" dirty="0" smtClean="0"/>
+              <a:t>Right Join</a:t>
+            </a:r>
+            <a:endParaRPr lang="en-IN" dirty="0"/>
+          </a:p>
+        </p:txBody>
+      </p:sp>
+      <p:sp>
+        <p:nvSpPr>
+          <p:cNvPr id="18" name="TextBox 17"/>
+          <p:cNvSpPr txBox="1"/>
+          <p:nvPr/>
+        </p:nvSpPr>
+        <p:spPr>
+          <a:xfrm>
+            <a:off x="2353736" y="1281288"/>
+            <a:ext cx="817147" cy="369332"/>
+          </a:xfrm>
+          <a:prstGeom prst="rect">
+            <a:avLst/>
+          </a:prstGeom>
+          <a:noFill/>
+        </p:spPr>
+        <p:txBody>
+          <a:bodyPr wrap="none" rtlCol="0">
+            <a:spAutoFit/>
+          </a:bodyPr>
+          <a:lstStyle/>
+          <a:p>
+            <a:r>
+              <a:rPr lang="en-IN" dirty="0" smtClean="0"/>
+              <a:t>Orders</a:t>
+            </a:r>
+            <a:endParaRPr lang="en-IN" dirty="0"/>
+          </a:p>
+        </p:txBody>
+      </p:sp>
+      <p:sp>
+        <p:nvSpPr>
+          <p:cNvPr id="19" name="TextBox 18"/>
+          <p:cNvSpPr txBox="1"/>
+          <p:nvPr/>
+        </p:nvSpPr>
+        <p:spPr>
+          <a:xfrm>
+            <a:off x="8291692" y="1298220"/>
+            <a:ext cx="1179362" cy="369332"/>
+          </a:xfrm>
+          <a:prstGeom prst="rect">
+            <a:avLst/>
+          </a:prstGeom>
+          <a:noFill/>
+        </p:spPr>
+        <p:txBody>
+          <a:bodyPr wrap="none" rtlCol="0">
+            <a:spAutoFit/>
+          </a:bodyPr>
+          <a:lstStyle/>
+          <a:p>
+            <a:r>
+              <a:rPr lang="en-IN" dirty="0" smtClean="0"/>
+              <a:t>Customers</a:t>
+            </a:r>
+            <a:endParaRPr lang="en-IN" dirty="0"/>
+          </a:p>
+        </p:txBody>
+      </p:sp>
+      <p:cxnSp>
+        <p:nvCxnSpPr>
+          <p:cNvPr id="5" name="Straight Connector 4"/>
+          <p:cNvCxnSpPr/>
+          <p:nvPr/>
+        </p:nvCxnSpPr>
+        <p:spPr>
+          <a:xfrm>
+            <a:off x="5362047" y="1667552"/>
+            <a:ext cx="2506489" cy="0"/>
+          </a:xfrm>
+          <a:prstGeom prst="line">
+            <a:avLst/>
+          </a:prstGeom>
+          <a:ln w="28575">
+            <a:solidFill>
+              <a:schemeClr val="tx1"/>
+            </a:solidFill>
+          </a:ln>
+        </p:spPr>
+        <p:style>
+          <a:lnRef idx="1">
+            <a:schemeClr val="accent1"/>
+          </a:lnRef>
+          <a:fillRef idx="0">
+            <a:schemeClr val="accent1"/>
+          </a:fillRef>
+          <a:effectRef idx="0">
+            <a:schemeClr val="accent1"/>
+          </a:effectRef>
+          <a:fontRef idx="minor">
+            <a:schemeClr val="tx1"/>
+          </a:fontRef>
+        </p:style>
+      </p:cxnSp>
+      <p:cxnSp>
+        <p:nvCxnSpPr>
+          <p:cNvPr id="16" name="Straight Connector 15"/>
+          <p:cNvCxnSpPr/>
+          <p:nvPr/>
+        </p:nvCxnSpPr>
+        <p:spPr>
+          <a:xfrm flipV="1">
+            <a:off x="5023599" y="2327978"/>
+            <a:ext cx="3285067" cy="14439"/>
+          </a:xfrm>
+          <a:prstGeom prst="line">
+            <a:avLst/>
+          </a:prstGeom>
+          <a:ln w="28575">
+            <a:solidFill>
+              <a:schemeClr val="tx1"/>
+            </a:solidFill>
+          </a:ln>
+        </p:spPr>
+        <p:style>
+          <a:lnRef idx="1">
+            <a:schemeClr val="accent1"/>
+          </a:lnRef>
+          <a:fillRef idx="0">
+            <a:schemeClr val="accent1"/>
+          </a:fillRef>
+          <a:effectRef idx="0">
+            <a:schemeClr val="accent1"/>
+          </a:effectRef>
+          <a:fontRef idx="minor">
+            <a:schemeClr val="tx1"/>
+          </a:fontRef>
+        </p:style>
+      </p:cxnSp>
+      <p:cxnSp>
+        <p:nvCxnSpPr>
+          <p:cNvPr id="20" name="Straight Connector 19"/>
+          <p:cNvCxnSpPr/>
+          <p:nvPr/>
+        </p:nvCxnSpPr>
+        <p:spPr>
+          <a:xfrm flipV="1">
+            <a:off x="4876846" y="2936196"/>
+            <a:ext cx="3431820" cy="35227"/>
+          </a:xfrm>
+          <a:prstGeom prst="line">
+            <a:avLst/>
+          </a:prstGeom>
+          <a:ln w="28575">
+            <a:solidFill>
+              <a:schemeClr val="tx1"/>
+            </a:solidFill>
+          </a:ln>
+        </p:spPr>
+        <p:style>
+          <a:lnRef idx="1">
+            <a:schemeClr val="accent1"/>
+          </a:lnRef>
+          <a:fillRef idx="0">
+            <a:schemeClr val="accent1"/>
+          </a:fillRef>
+          <a:effectRef idx="0">
+            <a:schemeClr val="accent1"/>
+          </a:effectRef>
+          <a:fontRef idx="minor">
+            <a:schemeClr val="tx1"/>
+          </a:fontRef>
+        </p:style>
+      </p:cxnSp>
+      <p:cxnSp>
+        <p:nvCxnSpPr>
+          <p:cNvPr id="21" name="Straight Connector 20"/>
+          <p:cNvCxnSpPr/>
+          <p:nvPr/>
+        </p:nvCxnSpPr>
+        <p:spPr>
+          <a:xfrm flipV="1">
+            <a:off x="4950222" y="3474858"/>
+            <a:ext cx="3285067" cy="35226"/>
+          </a:xfrm>
+          <a:prstGeom prst="line">
+            <a:avLst/>
+          </a:prstGeom>
+          <a:ln w="28575">
+            <a:solidFill>
+              <a:schemeClr val="tx1"/>
+            </a:solidFill>
+          </a:ln>
+        </p:spPr>
+        <p:style>
+          <a:lnRef idx="1">
+            <a:schemeClr val="accent1"/>
+          </a:lnRef>
+          <a:fillRef idx="0">
+            <a:schemeClr val="accent1"/>
+          </a:fillRef>
+          <a:effectRef idx="0">
+            <a:schemeClr val="accent1"/>
+          </a:effectRef>
+          <a:fontRef idx="minor">
+            <a:schemeClr val="tx1"/>
+          </a:fontRef>
+        </p:style>
+      </p:cxnSp>
+      <p:cxnSp>
+        <p:nvCxnSpPr>
+          <p:cNvPr id="22" name="Straight Connector 21"/>
+          <p:cNvCxnSpPr/>
+          <p:nvPr/>
+        </p:nvCxnSpPr>
+        <p:spPr>
+          <a:xfrm>
+            <a:off x="5294917" y="4125870"/>
+            <a:ext cx="2640748" cy="10610"/>
+          </a:xfrm>
+          <a:prstGeom prst="line">
+            <a:avLst/>
+          </a:prstGeom>
+          <a:ln w="28575">
+            <a:solidFill>
+              <a:schemeClr val="tx1"/>
+            </a:solidFill>
+          </a:ln>
+        </p:spPr>
+        <p:style>
+          <a:lnRef idx="1">
+            <a:schemeClr val="accent1"/>
+          </a:lnRef>
+          <a:fillRef idx="0">
+            <a:schemeClr val="accent1"/>
+          </a:fillRef>
+          <a:effectRef idx="0">
+            <a:schemeClr val="accent1"/>
+          </a:effectRef>
+          <a:fontRef idx="minor">
+            <a:schemeClr val="tx1"/>
+          </a:fontRef>
+        </p:style>
+      </p:cxnSp>
+    </p:spTree>
+    <p:extLst>
+      <p:ext uri="{BB962C8B-B14F-4D97-AF65-F5344CB8AC3E}">
+        <p14:creationId xmlns:p14="http://schemas.microsoft.com/office/powerpoint/2010/main" val="1774836747"/>
+      </p:ext>
+    </p:extLst>
+  </p:cSld>
+  <p:clrMapOvr>
+    <a:masterClrMapping/>
+  </p:clrMapOvr>
+  <p:timing>
+    <p:tnLst>
+      <p:par>
+        <p:cTn id="1" dur="indefinite" restart="never" nodeType="tmRoot"/>
+      </p:par>
+    </p:tnLst>
+  </p:timing>
+</p:sld>
+</file>
+
 <file path=ppt/theme/theme1.xml><?xml version="1.0" encoding="utf-8"?>
 <a:theme xmlns:a="http://schemas.openxmlformats.org/drawingml/2006/main" name="Office Theme">
   <a:themeElements>
